--- a/ddpm/ddpm.pptx
+++ b/ddpm/ddpm.pptx
@@ -438,7 +438,7 @@
           <a:p>
             <a:fld id="{B2F70DDB-16A4-4415-81B8-ED3EA59B23F7}" type="datetimeFigureOut">
               <a:rPr lang="ko-KR" altLang="en-US" smtClean="0"/>
-              <a:t>2024-07-30</a:t>
+              <a:t>2024-08-15</a:t>
             </a:fld>
             <a:endParaRPr lang="ko-KR" altLang="en-US"/>
           </a:p>
@@ -852,7 +852,7 @@
           <a:p>
             <a:fld id="{D7A35594-98D1-43B8-A59D-A12EA343ECDE}" type="datetimeFigureOut">
               <a:rPr lang="ko-KR" altLang="en-US" smtClean="0"/>
-              <a:t>2024-07-30</a:t>
+              <a:t>2024-08-15</a:t>
             </a:fld>
             <a:endParaRPr lang="ko-KR" altLang="en-US"/>
           </a:p>
@@ -1050,7 +1050,7 @@
           <a:p>
             <a:fld id="{D7A35594-98D1-43B8-A59D-A12EA343ECDE}" type="datetimeFigureOut">
               <a:rPr lang="ko-KR" altLang="en-US" smtClean="0"/>
-              <a:t>2024-07-30</a:t>
+              <a:t>2024-08-15</a:t>
             </a:fld>
             <a:endParaRPr lang="ko-KR" altLang="en-US"/>
           </a:p>
@@ -1258,7 +1258,7 @@
           <a:p>
             <a:fld id="{D7A35594-98D1-43B8-A59D-A12EA343ECDE}" type="datetimeFigureOut">
               <a:rPr lang="ko-KR" altLang="en-US" smtClean="0"/>
-              <a:t>2024-07-30</a:t>
+              <a:t>2024-08-15</a:t>
             </a:fld>
             <a:endParaRPr lang="ko-KR" altLang="en-US"/>
           </a:p>
@@ -1456,7 +1456,7 @@
           <a:p>
             <a:fld id="{D7A35594-98D1-43B8-A59D-A12EA343ECDE}" type="datetimeFigureOut">
               <a:rPr lang="ko-KR" altLang="en-US" smtClean="0"/>
-              <a:t>2024-07-30</a:t>
+              <a:t>2024-08-15</a:t>
             </a:fld>
             <a:endParaRPr lang="ko-KR" altLang="en-US"/>
           </a:p>
@@ -1731,7 +1731,7 @@
           <a:p>
             <a:fld id="{D7A35594-98D1-43B8-A59D-A12EA343ECDE}" type="datetimeFigureOut">
               <a:rPr lang="ko-KR" altLang="en-US" smtClean="0"/>
-              <a:t>2024-07-30</a:t>
+              <a:t>2024-08-15</a:t>
             </a:fld>
             <a:endParaRPr lang="ko-KR" altLang="en-US"/>
           </a:p>
@@ -1996,7 +1996,7 @@
           <a:p>
             <a:fld id="{D7A35594-98D1-43B8-A59D-A12EA343ECDE}" type="datetimeFigureOut">
               <a:rPr lang="ko-KR" altLang="en-US" smtClean="0"/>
-              <a:t>2024-07-30</a:t>
+              <a:t>2024-08-15</a:t>
             </a:fld>
             <a:endParaRPr lang="ko-KR" altLang="en-US"/>
           </a:p>
@@ -2408,7 +2408,7 @@
           <a:p>
             <a:fld id="{D7A35594-98D1-43B8-A59D-A12EA343ECDE}" type="datetimeFigureOut">
               <a:rPr lang="ko-KR" altLang="en-US" smtClean="0"/>
-              <a:t>2024-07-30</a:t>
+              <a:t>2024-08-15</a:t>
             </a:fld>
             <a:endParaRPr lang="ko-KR" altLang="en-US"/>
           </a:p>
@@ -2549,7 +2549,7 @@
           <a:p>
             <a:fld id="{D7A35594-98D1-43B8-A59D-A12EA343ECDE}" type="datetimeFigureOut">
               <a:rPr lang="ko-KR" altLang="en-US" smtClean="0"/>
-              <a:t>2024-07-30</a:t>
+              <a:t>2024-08-15</a:t>
             </a:fld>
             <a:endParaRPr lang="ko-KR" altLang="en-US"/>
           </a:p>
@@ -2662,7 +2662,7 @@
           <a:p>
             <a:fld id="{D7A35594-98D1-43B8-A59D-A12EA343ECDE}" type="datetimeFigureOut">
               <a:rPr lang="ko-KR" altLang="en-US" smtClean="0"/>
-              <a:t>2024-07-30</a:t>
+              <a:t>2024-08-15</a:t>
             </a:fld>
             <a:endParaRPr lang="ko-KR" altLang="en-US"/>
           </a:p>
@@ -2973,7 +2973,7 @@
           <a:p>
             <a:fld id="{D7A35594-98D1-43B8-A59D-A12EA343ECDE}" type="datetimeFigureOut">
               <a:rPr lang="ko-KR" altLang="en-US" smtClean="0"/>
-              <a:t>2024-07-30</a:t>
+              <a:t>2024-08-15</a:t>
             </a:fld>
             <a:endParaRPr lang="ko-KR" altLang="en-US"/>
           </a:p>
@@ -3261,7 +3261,7 @@
           <a:p>
             <a:fld id="{D7A35594-98D1-43B8-A59D-A12EA343ECDE}" type="datetimeFigureOut">
               <a:rPr lang="ko-KR" altLang="en-US" smtClean="0"/>
-              <a:t>2024-07-30</a:t>
+              <a:t>2024-08-15</a:t>
             </a:fld>
             <a:endParaRPr lang="ko-KR" altLang="en-US"/>
           </a:p>
@@ -3502,7 +3502,7 @@
           <a:p>
             <a:fld id="{D7A35594-98D1-43B8-A59D-A12EA343ECDE}" type="datetimeFigureOut">
               <a:rPr lang="ko-KR" altLang="en-US" smtClean="0"/>
-              <a:t>2024-07-30</a:t>
+              <a:t>2024-08-15</a:t>
             </a:fld>
             <a:endParaRPr lang="ko-KR" altLang="en-US"/>
           </a:p>
